--- a/ThermalEQDrinks Asset/INTERFACE LAYOUT INOVASI.pptx
+++ b/ThermalEQDrinks Asset/INTERFACE LAYOUT INOVASI.pptx
@@ -326,7 +326,7 @@
           <a:p>
             <a:fld id="{E2231FD7-1F46-417D-A7F4-C73FDBAA75EF}" type="datetimeFigureOut">
               <a:rPr lang="en-US" smtClean="0"/>
-              <a:t>6/1/2023</a:t>
+              <a:t>7/7/2023</a:t>
             </a:fld>
             <a:endParaRPr lang="en-US"/>
           </a:p>
@@ -516,7 +516,7 @@
           <a:p>
             <a:fld id="{E2231FD7-1F46-417D-A7F4-C73FDBAA75EF}" type="datetimeFigureOut">
               <a:rPr lang="en-US" smtClean="0"/>
-              <a:t>6/1/2023</a:t>
+              <a:t>7/7/2023</a:t>
             </a:fld>
             <a:endParaRPr lang="en-US"/>
           </a:p>
@@ -696,7 +696,7 @@
           <a:p>
             <a:fld id="{E2231FD7-1F46-417D-A7F4-C73FDBAA75EF}" type="datetimeFigureOut">
               <a:rPr lang="en-US" smtClean="0"/>
-              <a:t>6/1/2023</a:t>
+              <a:t>7/7/2023</a:t>
             </a:fld>
             <a:endParaRPr lang="en-US"/>
           </a:p>
@@ -866,7 +866,7 @@
           <a:p>
             <a:fld id="{E2231FD7-1F46-417D-A7F4-C73FDBAA75EF}" type="datetimeFigureOut">
               <a:rPr lang="en-US" smtClean="0"/>
-              <a:t>6/1/2023</a:t>
+              <a:t>7/7/2023</a:t>
             </a:fld>
             <a:endParaRPr lang="en-US"/>
           </a:p>
@@ -1122,7 +1122,7 @@
           <a:p>
             <a:fld id="{E2231FD7-1F46-417D-A7F4-C73FDBAA75EF}" type="datetimeFigureOut">
               <a:rPr lang="en-US" smtClean="0"/>
-              <a:t>6/1/2023</a:t>
+              <a:t>7/7/2023</a:t>
             </a:fld>
             <a:endParaRPr lang="en-US"/>
           </a:p>
@@ -1410,7 +1410,7 @@
           <a:p>
             <a:fld id="{E2231FD7-1F46-417D-A7F4-C73FDBAA75EF}" type="datetimeFigureOut">
               <a:rPr lang="en-US" smtClean="0"/>
-              <a:t>6/1/2023</a:t>
+              <a:t>7/7/2023</a:t>
             </a:fld>
             <a:endParaRPr lang="en-US"/>
           </a:p>
@@ -1848,7 +1848,7 @@
           <a:p>
             <a:fld id="{E2231FD7-1F46-417D-A7F4-C73FDBAA75EF}" type="datetimeFigureOut">
               <a:rPr lang="en-US" smtClean="0"/>
-              <a:t>6/1/2023</a:t>
+              <a:t>7/7/2023</a:t>
             </a:fld>
             <a:endParaRPr lang="en-US"/>
           </a:p>
@@ -1966,7 +1966,7 @@
           <a:p>
             <a:fld id="{E2231FD7-1F46-417D-A7F4-C73FDBAA75EF}" type="datetimeFigureOut">
               <a:rPr lang="en-US" smtClean="0"/>
-              <a:t>6/1/2023</a:t>
+              <a:t>7/7/2023</a:t>
             </a:fld>
             <a:endParaRPr lang="en-US"/>
           </a:p>
@@ -2061,7 +2061,7 @@
           <a:p>
             <a:fld id="{E2231FD7-1F46-417D-A7F4-C73FDBAA75EF}" type="datetimeFigureOut">
               <a:rPr lang="en-US" smtClean="0"/>
-              <a:t>6/1/2023</a:t>
+              <a:t>7/7/2023</a:t>
             </a:fld>
             <a:endParaRPr lang="en-US"/>
           </a:p>
@@ -2417,7 +2417,7 @@
           <a:p>
             <a:fld id="{E2231FD7-1F46-417D-A7F4-C73FDBAA75EF}" type="datetimeFigureOut">
               <a:rPr lang="en-US" smtClean="0"/>
-              <a:t>6/1/2023</a:t>
+              <a:t>7/7/2023</a:t>
             </a:fld>
             <a:endParaRPr lang="en-US"/>
           </a:p>
@@ -2733,7 +2733,7 @@
           <a:p>
             <a:fld id="{E2231FD7-1F46-417D-A7F4-C73FDBAA75EF}" type="datetimeFigureOut">
               <a:rPr lang="en-US" smtClean="0"/>
-              <a:t>6/1/2023</a:t>
+              <a:t>7/7/2023</a:t>
             </a:fld>
             <a:endParaRPr lang="en-US"/>
           </a:p>
@@ -2966,7 +2966,7 @@
           <a:p>
             <a:fld id="{E2231FD7-1F46-417D-A7F4-C73FDBAA75EF}" type="datetimeFigureOut">
               <a:rPr lang="en-US" smtClean="0"/>
-              <a:t>6/1/2023</a:t>
+              <a:t>7/7/2023</a:t>
             </a:fld>
             <a:endParaRPr lang="en-US"/>
           </a:p>
@@ -3867,11 +3867,7 @@
           <a:p>
             <a:r>
               <a:rPr lang="en-US" b="1" dirty="0"/>
-              <a:t>                                      - </a:t>
-            </a:r>
-            <a:r>
-              <a:rPr lang="en-US" b="1" dirty="0" err="1"/>
-              <a:t>mcΔ</a:t>
+              <a:t>                                      - mcΔ</a:t>
             </a:r>
             <a:r>
               <a:rPr lang="el-GR" b="1" dirty="0"/>
@@ -3887,11 +3883,7 @@
             </a:r>
             <a:r>
               <a:rPr lang="en-US" b="1" dirty="0"/>
-              <a:t>=   </a:t>
-            </a:r>
-            <a:r>
-              <a:rPr lang="en-US" b="1" dirty="0" err="1"/>
-              <a:t>mcΔ</a:t>
+              <a:t>=   mcΔ</a:t>
             </a:r>
             <a:r>
               <a:rPr lang="el-GR" b="1" dirty="0"/>
@@ -3903,15 +3895,11 @@
             </a:r>
             <a:r>
               <a:rPr lang="en-US" sz="1100" b="1" dirty="0"/>
-              <a:t>coffee</a:t>
+              <a:t>tea</a:t>
             </a:r>
             <a:r>
               <a:rPr lang="en-US" b="1" dirty="0"/>
-              <a:t> + </a:t>
-            </a:r>
-            <a:r>
-              <a:rPr lang="en-US" b="1" dirty="0" err="1"/>
-              <a:t>mcΔ</a:t>
+              <a:t> + mcΔ</a:t>
             </a:r>
             <a:r>
               <a:rPr lang="el-GR" b="1" dirty="0"/>
@@ -3927,11 +3915,7 @@
             </a:r>
             <a:r>
               <a:rPr lang="en-US" b="1" dirty="0"/>
-              <a:t>+ </a:t>
-            </a:r>
-            <a:r>
-              <a:rPr lang="en-US" b="1" dirty="0" err="1"/>
-              <a:t>mcΔ</a:t>
+              <a:t>+ mcΔ</a:t>
             </a:r>
             <a:r>
               <a:rPr lang="el-GR" b="1" dirty="0"/>
@@ -5319,16 +5303,7 @@
                 </a:solidFill>
                 <a:latin typeface="Cambria" pitchFamily="18" charset="0"/>
               </a:rPr>
-              <a:t>	    - </a:t>
-            </a:r>
-            <a:r>
-              <a:rPr lang="en-US" dirty="0" err="1">
-                <a:solidFill>
-                  <a:schemeClr val="tx1"/>
-                </a:solidFill>
-                <a:latin typeface="Cambria" pitchFamily="18" charset="0"/>
-              </a:rPr>
-              <a:t>mcΔ</a:t>
+              <a:t>	    - mcΔ</a:t>
             </a:r>
             <a:r>
               <a:rPr lang="el-GR" dirty="0">
@@ -5346,16 +5321,7 @@
                 </a:solidFill>
                 <a:latin typeface="Cambria" pitchFamily="18" charset="0"/>
               </a:rPr>
-              <a:t> = </a:t>
-            </a:r>
-            <a:r>
-              <a:rPr lang="en-US" dirty="0" err="1">
-                <a:solidFill>
-                  <a:schemeClr val="tx1"/>
-                </a:solidFill>
-                <a:latin typeface="Cambria" pitchFamily="18" charset="0"/>
-              </a:rPr>
-              <a:t>mcΔ</a:t>
+              <a:t> = mcΔ</a:t>
             </a:r>
             <a:r>
               <a:rPr lang="el-GR" dirty="0">
@@ -5912,21 +5878,21 @@
         </p:nvSpPr>
         <p:spPr>
           <a:xfrm>
-            <a:off x="4332158" y="2121437"/>
-            <a:ext cx="2533337" cy="646331"/>
+            <a:off x="4332159" y="2121437"/>
+            <a:ext cx="1128841" cy="461665"/>
           </a:xfrm>
           <a:prstGeom prst="rect">
             <a:avLst/>
           </a:prstGeom>
           <a:solidFill>
-            <a:schemeClr val="accent1">
+            <a:schemeClr val="accent2">
               <a:lumMod val="20000"/>
               <a:lumOff val="80000"/>
             </a:schemeClr>
           </a:solidFill>
           <a:ln>
             <a:solidFill>
-              <a:schemeClr val="accent1"/>
+              <a:schemeClr val="accent2"/>
             </a:solidFill>
           </a:ln>
         </p:spPr>
@@ -5938,8 +5904,8 @@
           <a:p>
             <a:pPr algn="ctr"/>
             <a:r>
-              <a:rPr lang="en-US" sz="3600" b="1" dirty="0"/>
-              <a:t>TEA</a:t>
+              <a:rPr lang="en-US" sz="2400" b="1" dirty="0"/>
+              <a:t>OK</a:t>
             </a:r>
           </a:p>
         </p:txBody>
@@ -12138,7 +12104,7 @@
                     <a:p>
                       <a:pPr algn="ctr"/>
                       <a:r>
-                        <a:rPr lang="en-US" b="1" dirty="0" err="1">
+                        <a:rPr lang="en-US" b="1" dirty="0">
                           <a:solidFill>
                             <a:schemeClr val="tx1"/>
                           </a:solidFill>
@@ -12161,7 +12127,7 @@
                     <a:p>
                       <a:pPr algn="ctr"/>
                       <a:r>
-                        <a:rPr lang="en-US" b="1" dirty="0" err="1">
+                        <a:rPr lang="en-US" b="1" dirty="0">
                           <a:solidFill>
                             <a:schemeClr val="tx1"/>
                           </a:solidFill>
@@ -12577,11 +12543,7 @@
                     <a:p>
                       <a:r>
                         <a:rPr lang="en-US" dirty="0"/>
-                        <a:t>4200 J/</a:t>
-                      </a:r>
-                      <a:r>
-                        <a:rPr lang="en-US" dirty="0" err="1"/>
-                        <a:t>kg°C</a:t>
+                        <a:t>4200 J/kg°C</a:t>
                       </a:r>
                       <a:endParaRPr lang="en-MY" dirty="0"/>
                     </a:p>
@@ -12595,11 +12557,7 @@
                     <a:p>
                       <a:r>
                         <a:rPr lang="en-US" dirty="0"/>
-                        <a:t>4182 J/</a:t>
-                      </a:r>
-                      <a:r>
-                        <a:rPr lang="en-US" dirty="0" err="1"/>
-                        <a:t>kg°C</a:t>
+                        <a:t>4182 J/kg°C</a:t>
                       </a:r>
                       <a:endParaRPr lang="en-MY" dirty="0"/>
                     </a:p>
@@ -12623,11 +12581,7 @@
                     <a:p>
                       <a:r>
                         <a:rPr lang="en-US" dirty="0"/>
-                        <a:t>2700J/</a:t>
-                      </a:r>
-                      <a:r>
-                        <a:rPr lang="en-US" dirty="0" err="1"/>
-                        <a:t>kg°C</a:t>
+                        <a:t>2700J/kg°C</a:t>
                       </a:r>
                       <a:endParaRPr lang="en-MY" dirty="0"/>
                     </a:p>
@@ -12677,11 +12631,7 @@
                       </a:pPr>
                       <a:r>
                         <a:rPr lang="en-US" dirty="0"/>
-                        <a:t>3632 J/</a:t>
-                      </a:r>
-                      <a:r>
-                        <a:rPr lang="en-US" dirty="0" err="1"/>
-                        <a:t>kg°C</a:t>
+                        <a:t>3632 J/kg°C</a:t>
                       </a:r>
                       <a:endParaRPr lang="en-MY" dirty="0"/>
                     </a:p>
